--- a/projekat 3/Replikacija kod MongoDB baze podataka.pptx
+++ b/projekat 3/Replikacija kod MongoDB baze podataka.pptx
@@ -126,6 +126,11 @@
       </a:defRPr>
     </a:lvl9pPr>
   </p:defaultTextStyle>
+  <p:extLst>
+    <p:ext uri="{EFAFB233-063F-42B5-8137-9DF3F51BA10A}">
+      <p15:sldGuideLst xmlns:p15="http://schemas.microsoft.com/office/powerpoint/2012/main"/>
+    </p:ext>
+  </p:extLst>
 </p:presentation>
 </file>
 
@@ -1756,6 +1761,13 @@
         </dgm:presLayoutVars>
       </dgm:prSet>
       <dgm:spPr/>
+      <dgm:t>
+        <a:bodyPr/>
+        <a:lstStyle/>
+        <a:p>
+          <a:endParaRPr lang="en-GB"/>
+        </a:p>
+      </dgm:t>
     </dgm:pt>
     <dgm:pt modelId="{162871F4-1B03-4F83-87FE-392FA2618C7D}" type="pres">
       <dgm:prSet presAssocID="{A5F30664-43B2-4A50-93A5-FE87F1BB04DF}" presName="node" presStyleLbl="node1" presStyleIdx="0" presStyleCnt="3">
@@ -1764,6 +1776,13 @@
         </dgm:presLayoutVars>
       </dgm:prSet>
       <dgm:spPr/>
+      <dgm:t>
+        <a:bodyPr/>
+        <a:lstStyle/>
+        <a:p>
+          <a:endParaRPr lang="en-GB"/>
+        </a:p>
+      </dgm:t>
     </dgm:pt>
     <dgm:pt modelId="{68096F5E-923D-4BEC-8148-F7A40A6A6A00}" type="pres">
       <dgm:prSet presAssocID="{F3C1F7E1-33A7-4966-9BC8-0A634DDD1936}" presName="sibTrans" presStyleCnt="0"/>
@@ -1795,16 +1814,23 @@
         </dgm:presLayoutVars>
       </dgm:prSet>
       <dgm:spPr/>
+      <dgm:t>
+        <a:bodyPr/>
+        <a:lstStyle/>
+        <a:p>
+          <a:endParaRPr lang="en-GB"/>
+        </a:p>
+      </dgm:t>
     </dgm:pt>
   </dgm:ptLst>
   <dgm:cxnLst>
     <dgm:cxn modelId="{7062366A-1D18-4368-8891-814AE042A0B1}" srcId="{544AF980-1F9B-42BD-A277-E945B88042FB}" destId="{FC31FF51-2F97-490A-AA6B-0032DD33EABE}" srcOrd="2" destOrd="0" parTransId="{96B9A126-C627-4E76-A7AD-0BD700D3AE18}" sibTransId="{CF4A98B3-15B5-4188-B62A-72C52F9C8C97}"/>
+    <dgm:cxn modelId="{6F52E98C-3C65-4C40-BD6F-0E8A5B5D8EBC}" srcId="{544AF980-1F9B-42BD-A277-E945B88042FB}" destId="{A5F30664-43B2-4A50-93A5-FE87F1BB04DF}" srcOrd="0" destOrd="0" parTransId="{AA650575-4749-4FD3-9982-7FF62C7AFD9D}" sibTransId="{F3C1F7E1-33A7-4966-9BC8-0A634DDD1936}"/>
+    <dgm:cxn modelId="{2F4628CA-A6C4-4DBA-BA39-031B9DD26962}" type="presOf" srcId="{A5F30664-43B2-4A50-93A5-FE87F1BB04DF}" destId="{162871F4-1B03-4F83-87FE-392FA2618C7D}" srcOrd="0" destOrd="0" presId="urn:microsoft.com/office/officeart/2005/8/layout/default"/>
     <dgm:cxn modelId="{0FD1F800-837A-418C-A67A-DC410A5B7AC1}" type="presOf" srcId="{FC31FF51-2F97-490A-AA6B-0032DD33EABE}" destId="{FC01D2C1-25E5-4C37-851C-7812476C37EB}" srcOrd="0" destOrd="0" presId="urn:microsoft.com/office/officeart/2005/8/layout/default"/>
+    <dgm:cxn modelId="{58E26FCB-4F21-4C6F-889C-558BAF6086BF}" type="presOf" srcId="{F9789FE9-A2D9-484F-A9EC-ABC765004CFF}" destId="{5CCC5102-0C17-4D11-AC80-3CFDC6883A46}" srcOrd="0" destOrd="0" presId="urn:microsoft.com/office/officeart/2005/8/layout/default"/>
     <dgm:cxn modelId="{7455EBDD-53A8-4776-9A06-3E4BE3C81ED1}" type="presOf" srcId="{544AF980-1F9B-42BD-A277-E945B88042FB}" destId="{5CBF1C1E-B1BE-4504-963E-58EC213362F0}" srcOrd="0" destOrd="0" presId="urn:microsoft.com/office/officeart/2005/8/layout/default"/>
     <dgm:cxn modelId="{D2FE27EE-52A8-4D9C-9D52-3F2BF2368A25}" srcId="{544AF980-1F9B-42BD-A277-E945B88042FB}" destId="{F9789FE9-A2D9-484F-A9EC-ABC765004CFF}" srcOrd="1" destOrd="0" parTransId="{9F973E68-C1D6-40EB-8056-A2B9D97B64D0}" sibTransId="{A1BE01DC-9CC7-4198-A562-1953A2B318D4}"/>
-    <dgm:cxn modelId="{58E26FCB-4F21-4C6F-889C-558BAF6086BF}" type="presOf" srcId="{F9789FE9-A2D9-484F-A9EC-ABC765004CFF}" destId="{5CCC5102-0C17-4D11-AC80-3CFDC6883A46}" srcOrd="0" destOrd="0" presId="urn:microsoft.com/office/officeart/2005/8/layout/default"/>
-    <dgm:cxn modelId="{6F52E98C-3C65-4C40-BD6F-0E8A5B5D8EBC}" srcId="{544AF980-1F9B-42BD-A277-E945B88042FB}" destId="{A5F30664-43B2-4A50-93A5-FE87F1BB04DF}" srcOrd="0" destOrd="0" parTransId="{AA650575-4749-4FD3-9982-7FF62C7AFD9D}" sibTransId="{F3C1F7E1-33A7-4966-9BC8-0A634DDD1936}"/>
-    <dgm:cxn modelId="{2F4628CA-A6C4-4DBA-BA39-031B9DD26962}" type="presOf" srcId="{A5F30664-43B2-4A50-93A5-FE87F1BB04DF}" destId="{162871F4-1B03-4F83-87FE-392FA2618C7D}" srcOrd="0" destOrd="0" presId="urn:microsoft.com/office/officeart/2005/8/layout/default"/>
     <dgm:cxn modelId="{99E2EA41-B57F-4187-B245-93AB9C069101}" type="presParOf" srcId="{5CBF1C1E-B1BE-4504-963E-58EC213362F0}" destId="{162871F4-1B03-4F83-87FE-392FA2618C7D}" srcOrd="0" destOrd="0" presId="urn:microsoft.com/office/officeart/2005/8/layout/default"/>
     <dgm:cxn modelId="{1BF740E2-CEDB-4EEF-A3B7-D198B549AF60}" type="presParOf" srcId="{5CBF1C1E-B1BE-4504-963E-58EC213362F0}" destId="{68096F5E-923D-4BEC-8148-F7A40A6A6A00}" srcOrd="1" destOrd="0" presId="urn:microsoft.com/office/officeart/2005/8/layout/default"/>
     <dgm:cxn modelId="{8CB3B646-968E-4740-BF57-ED72E1FCBDD9}" type="presParOf" srcId="{5CBF1C1E-B1BE-4504-963E-58EC213362F0}" destId="{5CCC5102-0C17-4D11-AC80-3CFDC6883A46}" srcOrd="2" destOrd="0" presId="urn:microsoft.com/office/officeart/2005/8/layout/default"/>
@@ -1954,6 +1980,13 @@
         </dgm:presLayoutVars>
       </dgm:prSet>
       <dgm:spPr/>
+      <dgm:t>
+        <a:bodyPr/>
+        <a:lstStyle/>
+        <a:p>
+          <a:endParaRPr lang="en-GB"/>
+        </a:p>
+      </dgm:t>
     </dgm:pt>
     <dgm:pt modelId="{162871F4-1B03-4F83-87FE-392FA2618C7D}" type="pres">
       <dgm:prSet presAssocID="{A5F30664-43B2-4A50-93A5-FE87F1BB04DF}" presName="node" presStyleLbl="node1" presStyleIdx="0" presStyleCnt="3">
@@ -2000,6 +2033,13 @@
         </dgm:presLayoutVars>
       </dgm:prSet>
       <dgm:spPr/>
+      <dgm:t>
+        <a:bodyPr/>
+        <a:lstStyle/>
+        <a:p>
+          <a:endParaRPr lang="en-GB"/>
+        </a:p>
+      </dgm:t>
     </dgm:pt>
   </dgm:ptLst>
   <dgm:cxnLst>
@@ -9291,7 +9331,40 @@
                   </a:schemeClr>
                 </a:solidFill>
               </a:rPr>
-              <a:t>Ne mogu biti izglasani za primarni čvor - prioritet0</a:t>
+              <a:t>Ne mogu biti izglasani za primarni </a:t>
+            </a:r>
+            <a:r>
+              <a:rPr lang="sr-Latn-RS" smtClean="0">
+                <a:solidFill>
+                  <a:schemeClr val="tx1">
+                    <a:lumMod val="65000"/>
+                    <a:lumOff val="35000"/>
+                  </a:schemeClr>
+                </a:solidFill>
+              </a:rPr>
+              <a:t>čvor </a:t>
+            </a:r>
+            <a:r>
+              <a:rPr lang="sr-Latn-RS">
+                <a:solidFill>
+                  <a:schemeClr val="tx1">
+                    <a:lumMod val="65000"/>
+                    <a:lumOff val="35000"/>
+                  </a:schemeClr>
+                </a:solidFill>
+              </a:rPr>
+              <a:t>=</a:t>
+            </a:r>
+            <a:r>
+              <a:rPr lang="sr-Latn-RS" smtClean="0">
+                <a:solidFill>
+                  <a:schemeClr val="tx1">
+                    <a:lumMod val="65000"/>
+                    <a:lumOff val="35000"/>
+                  </a:schemeClr>
+                </a:solidFill>
+              </a:rPr>
+              <a:t> prioritet 0</a:t>
             </a:r>
             <a:endParaRPr lang="en-GB" dirty="0">
               <a:solidFill>
@@ -10467,7 +10540,29 @@
                   </a:schemeClr>
                 </a:solidFill>
               </a:rPr>
-              <a:t>Jedna replika je lider - ona prihvata zagteve za upisom i modifikacijom podataka</a:t>
+              <a:t>Jedna replika je lider - ona prihvata </a:t>
+            </a:r>
+            <a:r>
+              <a:rPr lang="sr-Latn-RS" dirty="0" smtClean="0">
+                <a:solidFill>
+                  <a:schemeClr val="tx1">
+                    <a:lumMod val="65000"/>
+                    <a:lumOff val="35000"/>
+                  </a:schemeClr>
+                </a:solidFill>
+              </a:rPr>
+              <a:t>zahteve </a:t>
+            </a:r>
+            <a:r>
+              <a:rPr lang="sr-Latn-RS" dirty="0" smtClean="0">
+                <a:solidFill>
+                  <a:schemeClr val="tx1">
+                    <a:lumMod val="65000"/>
+                    <a:lumOff val="35000"/>
+                  </a:schemeClr>
+                </a:solidFill>
+              </a:rPr>
+              <a:t>za upisom i modifikacijom podataka</a:t>
             </a:r>
           </a:p>
           <a:p>
